--- a/CSCE689-23/L9.pptx
+++ b/CSCE689-23/L9.pptx
@@ -249,7 +249,7 @@
           <a:p>
             <a:fld id="{ED71BEFA-BA2B-47F5-AFED-CD5FD2230E5B}" type="datetimeFigureOut">
               <a:rPr lang="en-US" smtClean="0"/>
-              <a:t>9/11/2023</a:t>
+              <a:t>9/13/2023</a:t>
             </a:fld>
             <a:endParaRPr lang="en-US"/>
           </a:p>
@@ -3099,7 +3099,7 @@
           <a:p>
             <a:fld id="{0926D96D-E548-4224-8448-1A65A248F70F}" type="datetimeFigureOut">
               <a:rPr lang="en-US" smtClean="0"/>
-              <a:t>9/11/2023</a:t>
+              <a:t>9/13/2023</a:t>
             </a:fld>
             <a:endParaRPr lang="en-US"/>
           </a:p>
@@ -3297,7 +3297,7 @@
           <a:p>
             <a:fld id="{0926D96D-E548-4224-8448-1A65A248F70F}" type="datetimeFigureOut">
               <a:rPr lang="en-US" smtClean="0"/>
-              <a:t>9/11/2023</a:t>
+              <a:t>9/13/2023</a:t>
             </a:fld>
             <a:endParaRPr lang="en-US"/>
           </a:p>
@@ -3505,7 +3505,7 @@
           <a:p>
             <a:fld id="{0926D96D-E548-4224-8448-1A65A248F70F}" type="datetimeFigureOut">
               <a:rPr lang="en-US" smtClean="0"/>
-              <a:t>9/11/2023</a:t>
+              <a:t>9/13/2023</a:t>
             </a:fld>
             <a:endParaRPr lang="en-US"/>
           </a:p>
@@ -3703,7 +3703,7 @@
           <a:p>
             <a:fld id="{0926D96D-E548-4224-8448-1A65A248F70F}" type="datetimeFigureOut">
               <a:rPr lang="en-US" smtClean="0"/>
-              <a:t>9/11/2023</a:t>
+              <a:t>9/13/2023</a:t>
             </a:fld>
             <a:endParaRPr lang="en-US"/>
           </a:p>
@@ -3978,7 +3978,7 @@
           <a:p>
             <a:fld id="{0926D96D-E548-4224-8448-1A65A248F70F}" type="datetimeFigureOut">
               <a:rPr lang="en-US" smtClean="0"/>
-              <a:t>9/11/2023</a:t>
+              <a:t>9/13/2023</a:t>
             </a:fld>
             <a:endParaRPr lang="en-US"/>
           </a:p>
@@ -4243,7 +4243,7 @@
           <a:p>
             <a:fld id="{0926D96D-E548-4224-8448-1A65A248F70F}" type="datetimeFigureOut">
               <a:rPr lang="en-US" smtClean="0"/>
-              <a:t>9/11/2023</a:t>
+              <a:t>9/13/2023</a:t>
             </a:fld>
             <a:endParaRPr lang="en-US"/>
           </a:p>
@@ -4655,7 +4655,7 @@
           <a:p>
             <a:fld id="{0926D96D-E548-4224-8448-1A65A248F70F}" type="datetimeFigureOut">
               <a:rPr lang="en-US" smtClean="0"/>
-              <a:t>9/11/2023</a:t>
+              <a:t>9/13/2023</a:t>
             </a:fld>
             <a:endParaRPr lang="en-US"/>
           </a:p>
@@ -4796,7 +4796,7 @@
           <a:p>
             <a:fld id="{0926D96D-E548-4224-8448-1A65A248F70F}" type="datetimeFigureOut">
               <a:rPr lang="en-US" smtClean="0"/>
-              <a:t>9/11/2023</a:t>
+              <a:t>9/13/2023</a:t>
             </a:fld>
             <a:endParaRPr lang="en-US"/>
           </a:p>
@@ -4909,7 +4909,7 @@
           <a:p>
             <a:fld id="{0926D96D-E548-4224-8448-1A65A248F70F}" type="datetimeFigureOut">
               <a:rPr lang="en-US" smtClean="0"/>
-              <a:t>9/11/2023</a:t>
+              <a:t>9/13/2023</a:t>
             </a:fld>
             <a:endParaRPr lang="en-US"/>
           </a:p>
@@ -5220,7 +5220,7 @@
           <a:p>
             <a:fld id="{0926D96D-E548-4224-8448-1A65A248F70F}" type="datetimeFigureOut">
               <a:rPr lang="en-US" smtClean="0"/>
-              <a:t>9/11/2023</a:t>
+              <a:t>9/13/2023</a:t>
             </a:fld>
             <a:endParaRPr lang="en-US"/>
           </a:p>
@@ -5508,7 +5508,7 @@
           <a:p>
             <a:fld id="{0926D96D-E548-4224-8448-1A65A248F70F}" type="datetimeFigureOut">
               <a:rPr lang="en-US" smtClean="0"/>
-              <a:t>9/11/2023</a:t>
+              <a:t>9/13/2023</a:t>
             </a:fld>
             <a:endParaRPr lang="en-US"/>
           </a:p>
@@ -5749,7 +5749,7 @@
           <a:p>
             <a:fld id="{0926D96D-E548-4224-8448-1A65A248F70F}" type="datetimeFigureOut">
               <a:rPr lang="en-US" smtClean="0"/>
-              <a:t>9/11/2023</a:t>
+              <a:t>9/13/2023</a:t>
             </a:fld>
             <a:endParaRPr lang="en-US"/>
           </a:p>
@@ -29503,8 +29503,8 @@
           </a:p>
         </p:txBody>
       </p:sp>
-      <mc:AlternateContent xmlns:mc="http://schemas.openxmlformats.org/markup-compatibility/2006" xmlns:a14="http://schemas.microsoft.com/office/drawing/2010/main">
-        <mc:Choice Requires="a14">
+      <mc:AlternateContent xmlns:mc="http://schemas.openxmlformats.org/markup-compatibility/2006">
+        <mc:Choice xmlns:a14="http://schemas.microsoft.com/office/drawing/2010/main" Requires="a14">
           <p:sp>
             <p:nvSpPr>
               <p:cNvPr id="4" name="Content Placeholder 3"/>
@@ -29715,6 +29715,32 @@
                     </m:sSub>
                   </m:oMath>
                 </a14:m>
+                <a:r>
+                  <a:rPr lang="en-US" sz="2800" dirty="0"/>
+                  <a:t> and </a:t>
+                </a:r>
+                <a14:m>
+                  <m:oMath xmlns:m="http://schemas.openxmlformats.org/officeDocument/2006/math">
+                    <m:r>
+                      <a:rPr lang="en-US" sz="2800" b="0" i="1" smtClean="0">
+                        <a:solidFill>
+                          <a:srgbClr val="C00000"/>
+                        </a:solidFill>
+                        <a:latin typeface="Cambria Math" panose="02040503050406030204" pitchFamily="18" charset="0"/>
+                      </a:rPr>
+                      <m:t>𝑐</m:t>
+                    </m:r>
+                    <m:r>
+                      <a:rPr lang="en-US" sz="2800" b="0" i="1" smtClean="0">
+                        <a:solidFill>
+                          <a:srgbClr val="C00000"/>
+                        </a:solidFill>
+                        <a:latin typeface="Cambria Math" panose="02040503050406030204" pitchFamily="18" charset="0"/>
+                      </a:rPr>
+                      <m:t>=1</m:t>
+                    </m:r>
+                  </m:oMath>
+                </a14:m>
                 <a:endParaRPr lang="en-US" sz="2800" dirty="0"/>
               </a:p>
               <a:p>
@@ -30075,15 +30101,40 @@
                 </a:r>
                 <a14:m>
                   <m:oMath xmlns:m="http://schemas.openxmlformats.org/officeDocument/2006/math">
-                    <m:r>
-                      <a:rPr lang="en-US" i="1">
-                        <a:solidFill>
-                          <a:srgbClr val="C00000"/>
-                        </a:solidFill>
-                        <a:latin typeface="Cambria Math" panose="02040503050406030204" pitchFamily="18" charset="0"/>
-                      </a:rPr>
-                      <m:t>𝑉</m:t>
-                    </m:r>
+                    <m:sSub>
+                      <m:sSubPr>
+                        <m:ctrlPr>
+                          <a:rPr lang="en-US" b="0" i="1" smtClean="0">
+                            <a:solidFill>
+                              <a:srgbClr val="C00000"/>
+                            </a:solidFill>
+                            <a:latin typeface="Cambria Math" panose="02040503050406030204" pitchFamily="18" charset="0"/>
+                          </a:rPr>
+                        </m:ctrlPr>
+                      </m:sSubPr>
+                      <m:e>
+                        <m:r>
+                          <a:rPr lang="en-US" b="0" i="1" smtClean="0">
+                            <a:solidFill>
+                              <a:srgbClr val="C00000"/>
+                            </a:solidFill>
+                            <a:latin typeface="Cambria Math" panose="02040503050406030204" pitchFamily="18" charset="0"/>
+                          </a:rPr>
+                          <m:t>𝑥</m:t>
+                        </m:r>
+                      </m:e>
+                      <m:sub>
+                        <m:r>
+                          <a:rPr lang="en-US" b="0" i="1" smtClean="0">
+                            <a:solidFill>
+                              <a:srgbClr val="C00000"/>
+                            </a:solidFill>
+                            <a:latin typeface="Cambria Math" panose="02040503050406030204" pitchFamily="18" charset="0"/>
+                          </a:rPr>
+                          <m:t>𝑖</m:t>
+                        </m:r>
+                      </m:sub>
+                    </m:sSub>
                     <m:r>
                       <a:rPr lang="en-US" b="0" i="1" smtClean="0">
                         <a:solidFill>
@@ -30136,15 +30187,40 @@
                 </a:r>
                 <a14:m>
                   <m:oMath xmlns:m="http://schemas.openxmlformats.org/officeDocument/2006/math">
-                    <m:r>
-                      <a:rPr lang="en-US" i="1">
-                        <a:solidFill>
-                          <a:srgbClr val="C00000"/>
-                        </a:solidFill>
-                        <a:latin typeface="Cambria Math" panose="02040503050406030204" pitchFamily="18" charset="0"/>
-                      </a:rPr>
-                      <m:t>𝑉</m:t>
-                    </m:r>
+                    <m:sSub>
+                      <m:sSubPr>
+                        <m:ctrlPr>
+                          <a:rPr lang="en-US" b="0" i="1" smtClean="0">
+                            <a:solidFill>
+                              <a:srgbClr val="C00000"/>
+                            </a:solidFill>
+                            <a:latin typeface="Cambria Math" panose="02040503050406030204" pitchFamily="18" charset="0"/>
+                          </a:rPr>
+                        </m:ctrlPr>
+                      </m:sSubPr>
+                      <m:e>
+                        <m:r>
+                          <a:rPr lang="en-US" b="0" i="1" smtClean="0">
+                            <a:solidFill>
+                              <a:srgbClr val="C00000"/>
+                            </a:solidFill>
+                            <a:latin typeface="Cambria Math" panose="02040503050406030204" pitchFamily="18" charset="0"/>
+                          </a:rPr>
+                          <m:t>𝑥</m:t>
+                        </m:r>
+                      </m:e>
+                      <m:sub>
+                        <m:r>
+                          <a:rPr lang="en-US" b="0" i="1" smtClean="0">
+                            <a:solidFill>
+                              <a:srgbClr val="C00000"/>
+                            </a:solidFill>
+                            <a:latin typeface="Cambria Math" panose="02040503050406030204" pitchFamily="18" charset="0"/>
+                          </a:rPr>
+                          <m:t>𝑖</m:t>
+                        </m:r>
+                      </m:sub>
+                    </m:sSub>
                     <m:r>
                       <a:rPr lang="en-US" b="0" i="1" smtClean="0">
                         <a:solidFill>
@@ -30181,7 +30257,7 @@
             </p:txBody>
           </p:sp>
         </mc:Choice>
-        <mc:Fallback xmlns="">
+        <mc:Fallback>
           <p:sp>
             <p:nvSpPr>
               <p:cNvPr id="4" name="Content Placeholder 3"/>

--- a/CSCE689-23/L9.pptx
+++ b/CSCE689-23/L9.pptx
@@ -249,7 +249,7 @@
           <a:p>
             <a:fld id="{ED71BEFA-BA2B-47F5-AFED-CD5FD2230E5B}" type="datetimeFigureOut">
               <a:rPr lang="en-US" smtClean="0"/>
-              <a:t>9/13/2023</a:t>
+              <a:t>2/8/2024</a:t>
             </a:fld>
             <a:endParaRPr lang="en-US"/>
           </a:p>
@@ -3099,7 +3099,7 @@
           <a:p>
             <a:fld id="{0926D96D-E548-4224-8448-1A65A248F70F}" type="datetimeFigureOut">
               <a:rPr lang="en-US" smtClean="0"/>
-              <a:t>9/13/2023</a:t>
+              <a:t>2/8/2024</a:t>
             </a:fld>
             <a:endParaRPr lang="en-US"/>
           </a:p>
@@ -3297,7 +3297,7 @@
           <a:p>
             <a:fld id="{0926D96D-E548-4224-8448-1A65A248F70F}" type="datetimeFigureOut">
               <a:rPr lang="en-US" smtClean="0"/>
-              <a:t>9/13/2023</a:t>
+              <a:t>2/8/2024</a:t>
             </a:fld>
             <a:endParaRPr lang="en-US"/>
           </a:p>
@@ -3505,7 +3505,7 @@
           <a:p>
             <a:fld id="{0926D96D-E548-4224-8448-1A65A248F70F}" type="datetimeFigureOut">
               <a:rPr lang="en-US" smtClean="0"/>
-              <a:t>9/13/2023</a:t>
+              <a:t>2/8/2024</a:t>
             </a:fld>
             <a:endParaRPr lang="en-US"/>
           </a:p>
@@ -3703,7 +3703,7 @@
           <a:p>
             <a:fld id="{0926D96D-E548-4224-8448-1A65A248F70F}" type="datetimeFigureOut">
               <a:rPr lang="en-US" smtClean="0"/>
-              <a:t>9/13/2023</a:t>
+              <a:t>2/8/2024</a:t>
             </a:fld>
             <a:endParaRPr lang="en-US"/>
           </a:p>
@@ -3978,7 +3978,7 @@
           <a:p>
             <a:fld id="{0926D96D-E548-4224-8448-1A65A248F70F}" type="datetimeFigureOut">
               <a:rPr lang="en-US" smtClean="0"/>
-              <a:t>9/13/2023</a:t>
+              <a:t>2/8/2024</a:t>
             </a:fld>
             <a:endParaRPr lang="en-US"/>
           </a:p>
@@ -4243,7 +4243,7 @@
           <a:p>
             <a:fld id="{0926D96D-E548-4224-8448-1A65A248F70F}" type="datetimeFigureOut">
               <a:rPr lang="en-US" smtClean="0"/>
-              <a:t>9/13/2023</a:t>
+              <a:t>2/8/2024</a:t>
             </a:fld>
             <a:endParaRPr lang="en-US"/>
           </a:p>
@@ -4655,7 +4655,7 @@
           <a:p>
             <a:fld id="{0926D96D-E548-4224-8448-1A65A248F70F}" type="datetimeFigureOut">
               <a:rPr lang="en-US" smtClean="0"/>
-              <a:t>9/13/2023</a:t>
+              <a:t>2/8/2024</a:t>
             </a:fld>
             <a:endParaRPr lang="en-US"/>
           </a:p>
@@ -4796,7 +4796,7 @@
           <a:p>
             <a:fld id="{0926D96D-E548-4224-8448-1A65A248F70F}" type="datetimeFigureOut">
               <a:rPr lang="en-US" smtClean="0"/>
-              <a:t>9/13/2023</a:t>
+              <a:t>2/8/2024</a:t>
             </a:fld>
             <a:endParaRPr lang="en-US"/>
           </a:p>
@@ -4909,7 +4909,7 @@
           <a:p>
             <a:fld id="{0926D96D-E548-4224-8448-1A65A248F70F}" type="datetimeFigureOut">
               <a:rPr lang="en-US" smtClean="0"/>
-              <a:t>9/13/2023</a:t>
+              <a:t>2/8/2024</a:t>
             </a:fld>
             <a:endParaRPr lang="en-US"/>
           </a:p>
@@ -5220,7 +5220,7 @@
           <a:p>
             <a:fld id="{0926D96D-E548-4224-8448-1A65A248F70F}" type="datetimeFigureOut">
               <a:rPr lang="en-US" smtClean="0"/>
-              <a:t>9/13/2023</a:t>
+              <a:t>2/8/2024</a:t>
             </a:fld>
             <a:endParaRPr lang="en-US"/>
           </a:p>
@@ -5508,7 +5508,7 @@
           <a:p>
             <a:fld id="{0926D96D-E548-4224-8448-1A65A248F70F}" type="datetimeFigureOut">
               <a:rPr lang="en-US" smtClean="0"/>
-              <a:t>9/13/2023</a:t>
+              <a:t>2/8/2024</a:t>
             </a:fld>
             <a:endParaRPr lang="en-US"/>
           </a:p>
@@ -5749,7 +5749,7 @@
           <a:p>
             <a:fld id="{0926D96D-E548-4224-8448-1A65A248F70F}" type="datetimeFigureOut">
               <a:rPr lang="en-US" smtClean="0"/>
-              <a:t>9/13/2023</a:t>
+              <a:t>2/8/2024</a:t>
             </a:fld>
             <a:endParaRPr lang="en-US"/>
           </a:p>
@@ -29503,8 +29503,8 @@
           </a:p>
         </p:txBody>
       </p:sp>
-      <mc:AlternateContent xmlns:mc="http://schemas.openxmlformats.org/markup-compatibility/2006">
-        <mc:Choice xmlns:a14="http://schemas.microsoft.com/office/drawing/2010/main" Requires="a14">
+      <mc:AlternateContent xmlns:mc="http://schemas.openxmlformats.org/markup-compatibility/2006" xmlns:a14="http://schemas.microsoft.com/office/drawing/2010/main">
+        <mc:Choice Requires="a14">
           <p:sp>
             <p:nvSpPr>
               <p:cNvPr id="4" name="Content Placeholder 3"/>
@@ -30257,7 +30257,7 @@
             </p:txBody>
           </p:sp>
         </mc:Choice>
-        <mc:Fallback>
+        <mc:Fallback xmlns="">
           <p:sp>
             <p:nvSpPr>
               <p:cNvPr id="4" name="Content Placeholder 3"/>
